--- a/常常喜樂_天韻.pptx
+++ b/常常喜樂_天韻.pptx
@@ -6822,7 +6822,7 @@
               <a:t>( </a:t>
             </a:r>
             <a:r>
-              <a:rPr lang="zh-CN" altLang="en-US" sz="3200" b="1" smtClean="0">
+              <a:rPr lang="zh-CN" altLang="en-US" sz="3200" b="1" dirty="0" smtClean="0">
                 <a:solidFill>
                   <a:srgbClr val="660033"/>
                 </a:solidFill>
@@ -6832,7 +6832,7 @@
               <a:t>結束</a:t>
             </a:r>
             <a:r>
-              <a:rPr lang="en-US" sz="3200" b="1" smtClean="0">
+              <a:rPr lang="en-US" sz="3200" b="1" dirty="0" smtClean="0">
                 <a:solidFill>
                   <a:srgbClr val="660033"/>
                 </a:solidFill>
